--- a/ds5230_phase1_farrell_massone.pptx
+++ b/ds5230_phase1_farrell_massone.pptx
@@ -8,8 +8,11 @@
     <p:sldId id="256" r:id="rId2"/>
     <p:sldId id="259" r:id="rId3"/>
     <p:sldId id="258" r:id="rId4"/>
-    <p:sldId id="257" r:id="rId5"/>
-    <p:sldId id="261" r:id="rId6"/>
+    <p:sldId id="264" r:id="rId5"/>
+    <p:sldId id="262" r:id="rId6"/>
+    <p:sldId id="263" r:id="rId7"/>
+    <p:sldId id="261" r:id="rId8"/>
+    <p:sldId id="266" r:id="rId9"/>
   </p:sldIdLst>
   <p:sldSz cx="12192000" cy="6858000"/>
   <p:notesSz cx="6858000" cy="9144000"/>
@@ -15874,6 +15877,12 @@
               <a:t>Michael Massone and Nelson Farrell</a:t>
             </a:r>
           </a:p>
+          <a:p>
+            <a:r>
+              <a:rPr lang="en-US" dirty="0"/>
+              <a:t>Spring 2024</a:t>
+            </a:r>
+          </a:p>
         </p:txBody>
       </p:sp>
       <p:pic>
@@ -15964,7 +15973,9 @@
           <a:lstStyle/>
           <a:p>
             <a:r>
-              <a:rPr lang="en-US" dirty="0"/>
+              <a:rPr lang="en-US" dirty="0">
+                <a:latin typeface="+mn-lt"/>
+              </a:rPr>
               <a:t>Dry Bean Dataset</a:t>
             </a:r>
           </a:p>
@@ -15989,13 +16000,15 @@
         <p:spPr/>
         <p:txBody>
           <a:bodyPr>
-            <a:normAutofit fontScale="85000" lnSpcReduction="10000"/>
+            <a:normAutofit fontScale="92500" lnSpcReduction="20000"/>
           </a:bodyPr>
           <a:lstStyle/>
           <a:p>
             <a:pPr algn="l"/>
             <a:r>
-              <a:rPr lang="en-US" dirty="0"/>
+              <a:rPr lang="en-US" dirty="0">
+                <a:latin typeface="+mj-lt"/>
+              </a:rPr>
               <a:t>This dataset is composed of data derived from 13,611 images of 7 species of beans. Bean images obtained by computer vision system were subjected to segmentation and feature extraction stages, and a total of 16 features; 12 dimensions and 4 shape forms, were generated.</a:t>
             </a:r>
           </a:p>
@@ -16097,26 +16110,50 @@
           <a:lstStyle/>
           <a:p>
             <a:r>
-              <a:rPr lang="en-US" sz="1400" dirty="0"/>
+              <a:rPr lang="en-US" sz="1400" dirty="0">
+                <a:latin typeface="+mj-lt"/>
+              </a:rPr>
               <a:t>KOKLU, M. and OZKAN, I.A., (2020), “Multiclass Classification of Dry Beans Using Computer Vision and Machine Learning Techniques.” Computers and Electronics in Agriculture, 174, 105507.</a:t>
             </a:r>
           </a:p>
           <a:p>
-            <a:endParaRPr lang="en-US" sz="1400" dirty="0"/>
+            <a:r>
+              <a:rPr lang="en-US" sz="1400" dirty="0">
+                <a:latin typeface="+mj-lt"/>
+              </a:rPr>
+              <a:t>DOI: </a:t>
+            </a:r>
+            <a:r>
+              <a:rPr lang="en-US" sz="1400" dirty="0">
+                <a:latin typeface="+mj-lt"/>
+                <a:hlinkClick r:id="rId4"/>
+              </a:rPr>
+              <a:t>https://doi.org/10.1016/j.compag.2020.105507</a:t>
+            </a:r>
+            <a:r>
+              <a:rPr lang="en-US" sz="1400" dirty="0">
+                <a:latin typeface="+mj-lt"/>
+              </a:rPr>
+              <a:t> </a:t>
+            </a:r>
           </a:p>
           <a:p>
             <a:r>
-              <a:rPr lang="en-US" sz="1400" dirty="0"/>
-              <a:t>DOI: https://</a:t>
+              <a:rPr lang="en-US" sz="1400" dirty="0">
+                <a:latin typeface="+mj-lt"/>
+              </a:rPr>
+              <a:t>Link: </a:t>
             </a:r>
             <a:r>
-              <a:rPr lang="en-US" sz="1400" dirty="0" err="1"/>
-              <a:t>doi.org</a:t>
+              <a:rPr lang="en-US" sz="1400" dirty="0">
+                <a:latin typeface="+mj-lt"/>
+                <a:hlinkClick r:id="rId5"/>
+              </a:rPr>
+              <a:t>https://archive.ics.uci.edu/dataset/602/dry+bean+dataset</a:t>
             </a:r>
-            <a:r>
-              <a:rPr lang="en-US" sz="1400" dirty="0"/>
-              <a:t>/10.1016/j.compag.2020.105507</a:t>
-            </a:r>
+            <a:endParaRPr lang="en-US" sz="1400" dirty="0">
+              <a:latin typeface="+mj-lt"/>
+            </a:endParaRPr>
           </a:p>
         </p:txBody>
       </p:sp>
@@ -16172,7 +16209,9 @@
           <a:lstStyle/>
           <a:p>
             <a:r>
-              <a:rPr lang="en-US" dirty="0"/>
+              <a:rPr lang="en-US" dirty="0">
+                <a:latin typeface="+mn-lt"/>
+              </a:rPr>
               <a:t>Target Class</a:t>
             </a:r>
           </a:p>
@@ -16201,7 +16240,7 @@
           <a:p>
             <a:r>
               <a:rPr lang="en-US" dirty="0"/>
-              <a:t>Target: varieties of beans</a:t>
+              <a:t>Target:  7 Species of Dried beans</a:t>
             </a:r>
           </a:p>
         </p:txBody>
@@ -16224,86 +16263,82 @@
         </p:nvSpPr>
         <p:spPr/>
         <p:txBody>
-          <a:bodyPr numCol="2">
-            <a:normAutofit lnSpcReduction="10000"/>
+          <a:bodyPr numCol="3">
+            <a:normAutofit/>
           </a:bodyPr>
           <a:lstStyle/>
           <a:p>
-            <a:pPr marL="342900" indent="-342900">
-              <a:buFont typeface="+mj-lt"/>
-              <a:buAutoNum type="arabicParenR"/>
-            </a:pPr>
             <a:r>
-              <a:rPr lang="en-US" dirty="0" err="1"/>
-              <a:t>Seker</a:t>
+              <a:rPr lang="en-US" sz="2000" dirty="0" err="1">
+                <a:latin typeface="+mj-lt"/>
+              </a:rPr>
+              <a:t>Barbunya</a:t>
             </a:r>
-            <a:endParaRPr lang="en-US" dirty="0"/>
+            <a:endParaRPr lang="en-US" sz="2000" dirty="0">
+              <a:latin typeface="+mj-lt"/>
+            </a:endParaRPr>
           </a:p>
           <a:p>
-            <a:pPr marL="342900" indent="-342900">
-              <a:buFont typeface="+mj-lt"/>
-              <a:buAutoNum type="arabicParenR"/>
-            </a:pPr>
             <a:r>
-              <a:rPr lang="en-US" dirty="0" err="1"/>
-              <a:t>Barbunya</a:t>
-            </a:r>
-            <a:endParaRPr lang="en-US" dirty="0"/>
-          </a:p>
-          <a:p>
-            <a:pPr marL="342900" indent="-342900">
-              <a:buFont typeface="+mj-lt"/>
-              <a:buAutoNum type="arabicParenR"/>
-            </a:pPr>
-            <a:r>
-              <a:rPr lang="en-US" dirty="0"/>
+              <a:rPr lang="en-US" sz="2000" dirty="0">
+                <a:latin typeface="+mj-lt"/>
+              </a:rPr>
               <a:t>Bombay</a:t>
             </a:r>
           </a:p>
           <a:p>
-            <a:pPr marL="342900" indent="-342900">
-              <a:buFont typeface="+mj-lt"/>
-              <a:buAutoNum type="arabicParenR"/>
-            </a:pPr>
             <a:r>
-              <a:rPr lang="en-US" dirty="0"/>
+              <a:rPr lang="en-US" sz="2000" dirty="0">
+                <a:latin typeface="+mj-lt"/>
+              </a:rPr>
               <a:t>Cali</a:t>
             </a:r>
           </a:p>
           <a:p>
-            <a:pPr marL="342900" indent="-342900">
-              <a:buFont typeface="+mj-lt"/>
-              <a:buAutoNum type="arabicParenR"/>
-            </a:pPr>
             <a:r>
-              <a:rPr lang="en-US" dirty="0" err="1"/>
+              <a:rPr lang="en-US" sz="2000" dirty="0" err="1">
+                <a:latin typeface="+mj-lt"/>
+              </a:rPr>
               <a:t>Dermosan</a:t>
             </a:r>
-            <a:endParaRPr lang="en-US" dirty="0"/>
+            <a:endParaRPr lang="en-US" sz="2000" dirty="0">
+              <a:latin typeface="+mj-lt"/>
+            </a:endParaRPr>
           </a:p>
           <a:p>
-            <a:pPr marL="342900" indent="-342900">
-              <a:buFont typeface="+mj-lt"/>
-              <a:buAutoNum type="arabicParenR"/>
-            </a:pPr>
             <a:r>
-              <a:rPr lang="en-US" dirty="0" err="1"/>
+              <a:rPr lang="en-US" sz="2000" dirty="0" err="1">
+                <a:latin typeface="+mj-lt"/>
+              </a:rPr>
               <a:t>Horoz</a:t>
             </a:r>
-            <a:endParaRPr lang="en-US" dirty="0"/>
+            <a:endParaRPr lang="en-US" sz="2000" dirty="0">
+              <a:latin typeface="+mj-lt"/>
+            </a:endParaRPr>
           </a:p>
           <a:p>
-            <a:pPr marL="342900" indent="-342900">
-              <a:buFont typeface="+mj-lt"/>
-              <a:buAutoNum type="arabicParenR"/>
-            </a:pPr>
             <a:r>
-              <a:rPr lang="en-US" dirty="0"/>
+              <a:rPr lang="en-US" sz="2000" dirty="0" err="1">
+                <a:latin typeface="+mj-lt"/>
+              </a:rPr>
+              <a:t>Seker</a:t>
+            </a:r>
+            <a:endParaRPr lang="en-US" sz="2000" dirty="0">
+              <a:latin typeface="+mj-lt"/>
+            </a:endParaRPr>
+          </a:p>
+          <a:p>
+            <a:r>
+              <a:rPr lang="en-US" sz="2000" dirty="0">
+                <a:latin typeface="+mj-lt"/>
+              </a:rPr>
               <a:t>Sira</a:t>
             </a:r>
           </a:p>
           <a:p>
-            <a:endParaRPr lang="en-US" dirty="0"/>
+            <a:endParaRPr lang="en-US" sz="2000" dirty="0">
+              <a:latin typeface="+mj-lt"/>
+            </a:endParaRPr>
           </a:p>
         </p:txBody>
       </p:sp>
@@ -16353,12 +16388,103 @@
         </p:nvSpPr>
         <p:spPr/>
         <p:txBody>
-          <a:bodyPr>
-            <a:normAutofit lnSpcReduction="10000"/>
+          <a:bodyPr numCol="3">
+            <a:normAutofit/>
           </a:bodyPr>
           <a:lstStyle/>
           <a:p>
-            <a:endParaRPr lang="en-US" dirty="0"/>
+            <a:r>
+              <a:rPr lang="en-US" sz="2000" b="0" i="0" dirty="0" err="1">
+                <a:effectLst/>
+                <a:latin typeface="+mj-lt"/>
+              </a:rPr>
+              <a:t>Barbunya</a:t>
+            </a:r>
+            <a:r>
+              <a:rPr lang="en-US" sz="2000" b="0" i="0" dirty="0">
+                <a:effectLst/>
+                <a:latin typeface="+mj-lt"/>
+              </a:rPr>
+              <a:t>: 0 </a:t>
+            </a:r>
+          </a:p>
+          <a:p>
+            <a:r>
+              <a:rPr lang="en-US" sz="2000" b="0" i="0" dirty="0">
+                <a:effectLst/>
+                <a:latin typeface="+mj-lt"/>
+              </a:rPr>
+              <a:t>Bombay: 1 </a:t>
+            </a:r>
+          </a:p>
+          <a:p>
+            <a:r>
+              <a:rPr lang="en-US" sz="2000" b="0" i="0" dirty="0">
+                <a:effectLst/>
+                <a:latin typeface="+mj-lt"/>
+              </a:rPr>
+              <a:t>Cali: 2 </a:t>
+            </a:r>
+          </a:p>
+          <a:p>
+            <a:r>
+              <a:rPr lang="en-US" sz="2000" b="0" i="0" dirty="0" err="1">
+                <a:effectLst/>
+                <a:latin typeface="+mj-lt"/>
+              </a:rPr>
+              <a:t>Dermosan</a:t>
+            </a:r>
+            <a:r>
+              <a:rPr lang="en-US" sz="2000" b="0" i="0" dirty="0">
+                <a:effectLst/>
+                <a:latin typeface="+mj-lt"/>
+              </a:rPr>
+              <a:t>: 3 </a:t>
+            </a:r>
+          </a:p>
+          <a:p>
+            <a:r>
+              <a:rPr lang="en-US" sz="2000" b="0" i="0" dirty="0" err="1">
+                <a:effectLst/>
+                <a:latin typeface="+mj-lt"/>
+              </a:rPr>
+              <a:t>Horoz</a:t>
+            </a:r>
+            <a:r>
+              <a:rPr lang="en-US" sz="2000" b="0" i="0" dirty="0">
+                <a:effectLst/>
+                <a:latin typeface="+mj-lt"/>
+              </a:rPr>
+              <a:t>: 4</a:t>
+            </a:r>
+          </a:p>
+          <a:p>
+            <a:r>
+              <a:rPr lang="en-US" sz="2000" b="0" i="0" dirty="0" err="1">
+                <a:effectLst/>
+                <a:latin typeface="+mj-lt"/>
+              </a:rPr>
+              <a:t>Seker</a:t>
+            </a:r>
+            <a:r>
+              <a:rPr lang="en-US" sz="2000" b="0" i="0" dirty="0">
+                <a:effectLst/>
+                <a:latin typeface="+mj-lt"/>
+              </a:rPr>
+              <a:t>: 5</a:t>
+            </a:r>
+          </a:p>
+          <a:p>
+            <a:r>
+              <a:rPr lang="en-US" sz="2000" b="0" i="0" dirty="0">
+                <a:effectLst/>
+                <a:latin typeface="+mj-lt"/>
+              </a:rPr>
+              <a:t>Sira: 6</a:t>
+            </a:r>
+            <a:endParaRPr lang="en-US" sz="2000" dirty="0">
+              <a:latin typeface="+mj-lt"/>
+            </a:endParaRPr>
           </a:p>
         </p:txBody>
       </p:sp>
@@ -16433,7 +16559,7 @@
           <p:cNvPr id="2" name="Title 1">
             <a:extLst>
               <a:ext uri="{FF2B5EF4-FFF2-40B4-BE49-F238E27FC236}">
-                <a16:creationId xmlns:a16="http://schemas.microsoft.com/office/drawing/2014/main" id="{3AE2FCDA-EC53-C25F-B668-BC583BEF2B84}"/>
+                <a16:creationId xmlns:a16="http://schemas.microsoft.com/office/drawing/2014/main" id="{433A70EB-EC3C-4C93-A622-0432A18C0997}"/>
               </a:ext>
             </a:extLst>
           </p:cNvPr>
@@ -16450,9 +16576,14 @@
           <a:lstStyle/>
           <a:p>
             <a:r>
-              <a:rPr lang="en-US" dirty="0"/>
-              <a:t>Attributes</a:t>
+              <a:rPr lang="en-US" sz="3200" dirty="0">
+                <a:latin typeface="+mn-lt"/>
+              </a:rPr>
+              <a:t>Features</a:t>
             </a:r>
+            <a:endParaRPr lang="en-US" dirty="0">
+              <a:latin typeface="+mn-lt"/>
+            </a:endParaRPr>
           </a:p>
         </p:txBody>
       </p:sp>
@@ -16461,7 +16592,7 @@
           <p:cNvPr id="3" name="Content Placeholder 2">
             <a:extLst>
               <a:ext uri="{FF2B5EF4-FFF2-40B4-BE49-F238E27FC236}">
-                <a16:creationId xmlns:a16="http://schemas.microsoft.com/office/drawing/2014/main" id="{961824BD-00BA-8A2C-BE6B-CAC9C09EAB56}"/>
+                <a16:creationId xmlns:a16="http://schemas.microsoft.com/office/drawing/2014/main" id="{7DED33DA-0866-88DB-17E7-DE14C857EA70}"/>
               </a:ext>
             </a:extLst>
           </p:cNvPr>
@@ -16472,33 +16603,21 @@
             <p:ph idx="1"/>
           </p:nvPr>
         </p:nvSpPr>
-        <p:spPr>
-          <a:xfrm>
-            <a:off x="5155517" y="296559"/>
-            <a:ext cx="6281873" cy="6054814"/>
-          </a:xfrm>
-        </p:spPr>
+        <p:spPr/>
         <p:txBody>
           <a:bodyPr>
-            <a:normAutofit fontScale="25000" lnSpcReduction="20000"/>
+            <a:normAutofit fontScale="92500" lnSpcReduction="20000"/>
           </a:bodyPr>
           <a:lstStyle/>
-          <a:p>
-            <a:pPr marL="0" indent="0">
-              <a:buNone/>
-            </a:pPr>
-            <a:r>
-              <a:rPr lang="en-US" sz="6400" dirty="0"/>
-              <a:t>Features:</a:t>
-            </a:r>
-          </a:p>
           <a:p>
             <a:pPr marL="342900" indent="-342900">
               <a:buFont typeface="+mj-lt"/>
               <a:buAutoNum type="arabicParenR"/>
             </a:pPr>
             <a:r>
-              <a:rPr lang="en-US" sz="4000" dirty="0"/>
+              <a:rPr lang="en-US" sz="1800" dirty="0">
+                <a:latin typeface="+mj-lt"/>
+              </a:rPr>
               <a:t>Area (A): The area of a bean zone and the number of pixels within its boundaries.</a:t>
             </a:r>
           </a:p>
@@ -16508,7 +16627,9 @@
               <a:buAutoNum type="arabicParenR"/>
             </a:pPr>
             <a:r>
-              <a:rPr lang="en-US" sz="4000" dirty="0"/>
+              <a:rPr lang="en-US" sz="1800" dirty="0">
+                <a:latin typeface="+mj-lt"/>
+              </a:rPr>
               <a:t>Perimeter (P): Bean circumference is defined as the length of its border.</a:t>
             </a:r>
           </a:p>
@@ -16518,7 +16639,9 @@
               <a:buAutoNum type="arabicParenR"/>
             </a:pPr>
             <a:r>
-              <a:rPr lang="en-US" sz="4000" dirty="0"/>
+              <a:rPr lang="en-US" sz="1800" dirty="0">
+                <a:latin typeface="+mj-lt"/>
+              </a:rPr>
               <a:t>Major axis length (L): The distance between the ends of the longest line that can be drawn from a bean.</a:t>
             </a:r>
           </a:p>
@@ -16528,7 +16651,9 @@
               <a:buAutoNum type="arabicParenR"/>
             </a:pPr>
             <a:r>
-              <a:rPr lang="en-US" sz="4000" dirty="0"/>
+              <a:rPr lang="en-US" sz="1800" dirty="0">
+                <a:latin typeface="+mj-lt"/>
+              </a:rPr>
               <a:t>Minor axis length (l): The longest line that can be drawn from the bean while standing perpendicular to the main axis.</a:t>
             </a:r>
           </a:p>
@@ -16538,7 +16663,9 @@
               <a:buAutoNum type="arabicParenR"/>
             </a:pPr>
             <a:r>
-              <a:rPr lang="en-US" sz="4000" dirty="0"/>
+              <a:rPr lang="en-US" sz="1800" dirty="0">
+                <a:latin typeface="+mj-lt"/>
+              </a:rPr>
               <a:t>Aspect ratio (K): Defines the relationship between L and l.</a:t>
             </a:r>
           </a:p>
@@ -16548,15 +16675,21 @@
               <a:buAutoNum type="arabicParenR"/>
             </a:pPr>
             <a:r>
-              <a:rPr lang="en-US" sz="4000" dirty="0"/>
+              <a:rPr lang="en-US" sz="1800" dirty="0">
+                <a:latin typeface="+mj-lt"/>
+              </a:rPr>
               <a:t>Eccentricity (</a:t>
             </a:r>
             <a:r>
-              <a:rPr lang="en-US" sz="4000" dirty="0" err="1"/>
+              <a:rPr lang="en-US" sz="1800" dirty="0" err="1">
+                <a:latin typeface="+mj-lt"/>
+              </a:rPr>
               <a:t>Ec</a:t>
             </a:r>
             <a:r>
-              <a:rPr lang="en-US" sz="4000" dirty="0"/>
+              <a:rPr lang="en-US" sz="1800" dirty="0">
+                <a:latin typeface="+mj-lt"/>
+              </a:rPr>
               <a:t>): Eccentricity of the ellipse having the same moments as the region.</a:t>
             </a:r>
           </a:p>
@@ -16566,7 +16699,9 @@
               <a:buAutoNum type="arabicParenR"/>
             </a:pPr>
             <a:r>
-              <a:rPr lang="en-US" sz="4000" dirty="0"/>
+              <a:rPr lang="en-US" sz="1800" dirty="0">
+                <a:latin typeface="+mj-lt"/>
+              </a:rPr>
               <a:t>Convex area (C): Number of pixels in the smallest convex polygon that can contain the area of a bean seed.</a:t>
             </a:r>
           </a:p>
@@ -16576,98 +16711,56 @@
               <a:buAutoNum type="arabicParenR"/>
             </a:pPr>
             <a:r>
-              <a:rPr lang="en-US" sz="4000" dirty="0"/>
+              <a:rPr lang="en-US" sz="1800" dirty="0">
+                <a:latin typeface="+mj-lt"/>
+              </a:rPr>
               <a:t>Equivalent diameter (Ed): The diameter of a circle having the same area as a bean seed area.</a:t>
             </a:r>
           </a:p>
           <a:p>
-            <a:pPr marL="342900" indent="-342900">
-              <a:buFont typeface="+mj-lt"/>
-              <a:buAutoNum type="arabicParenR"/>
+            <a:pPr marL="0" indent="0">
+              <a:buNone/>
             </a:pPr>
+            <a:endParaRPr lang="en-US" dirty="0">
+              <a:latin typeface="+mj-lt"/>
+            </a:endParaRPr>
+          </a:p>
+        </p:txBody>
+      </p:sp>
+      <p:sp>
+        <p:nvSpPr>
+          <p:cNvPr id="4" name="Text Placeholder 3">
+            <a:extLst>
+              <a:ext uri="{FF2B5EF4-FFF2-40B4-BE49-F238E27FC236}">
+                <a16:creationId xmlns:a16="http://schemas.microsoft.com/office/drawing/2014/main" id="{2CF6682C-24F0-F516-4AE3-8AC662B26F1B}"/>
+              </a:ext>
+            </a:extLst>
+          </p:cNvPr>
+          <p:cNvSpPr>
+            <a:spLocks noGrp="1"/>
+          </p:cNvSpPr>
+          <p:nvPr>
+            <p:ph type="body" sz="half" idx="2"/>
+          </p:nvPr>
+        </p:nvSpPr>
+        <p:spPr/>
+        <p:txBody>
+          <a:bodyPr/>
+          <a:lstStyle/>
+          <a:p>
             <a:r>
-              <a:rPr lang="en-US" sz="4000" dirty="0"/>
-              <a:t>Extent (Ex): The ratio of the pixels in the bounding box to the bean area.</a:t>
-            </a:r>
-          </a:p>
-          <a:p>
-            <a:pPr marL="342900" indent="-342900">
-              <a:buFont typeface="+mj-lt"/>
-              <a:buAutoNum type="arabicParenR"/>
-            </a:pPr>
-            <a:r>
-              <a:rPr lang="en-US" sz="4000" dirty="0"/>
-              <a:t>Solidity (S): Also known as convexity. The ratio of the pixels in the convex shell to those found in beans.</a:t>
-            </a:r>
-          </a:p>
-          <a:p>
-            <a:pPr marL="342900" indent="-342900">
-              <a:buFont typeface="+mj-lt"/>
-              <a:buAutoNum type="arabicParenR"/>
-            </a:pPr>
-            <a:r>
-              <a:rPr lang="en-US" sz="4000" dirty="0"/>
-              <a:t>Roundness (R): Calculated with the following formula: (4piA)/(P^2)</a:t>
-            </a:r>
-          </a:p>
-          <a:p>
-            <a:pPr marL="342900" indent="-342900">
-              <a:buFont typeface="+mj-lt"/>
-              <a:buAutoNum type="arabicParenR"/>
-            </a:pPr>
-            <a:r>
-              <a:rPr lang="en-US" sz="4000" dirty="0"/>
-              <a:t>Compactness (CO): Measures the roundness of an object: Ed/L</a:t>
-            </a:r>
-          </a:p>
-          <a:p>
-            <a:pPr marL="342900" indent="-342900">
-              <a:buFont typeface="+mj-lt"/>
-              <a:buAutoNum type="arabicParenR"/>
-            </a:pPr>
-            <a:r>
-              <a:rPr lang="en-US" sz="4000" dirty="0"/>
-              <a:t>ShapeFactor1 (SF1)</a:t>
-            </a:r>
-          </a:p>
-          <a:p>
-            <a:pPr marL="342900" indent="-342900">
-              <a:buFont typeface="+mj-lt"/>
-              <a:buAutoNum type="arabicParenR"/>
-            </a:pPr>
-            <a:r>
-              <a:rPr lang="en-US" sz="4000" dirty="0"/>
-              <a:t>ShapeFactor2 (SF2)</a:t>
-            </a:r>
-          </a:p>
-          <a:p>
-            <a:pPr marL="342900" indent="-342900">
-              <a:buFont typeface="+mj-lt"/>
-              <a:buAutoNum type="arabicParenR"/>
-            </a:pPr>
-            <a:r>
-              <a:rPr lang="en-US" sz="4000" dirty="0"/>
-              <a:t>ShapeFactor3 (SF3)</a:t>
-            </a:r>
-          </a:p>
-          <a:p>
-            <a:pPr marL="342900" indent="-342900">
-              <a:buFont typeface="+mj-lt"/>
-              <a:buAutoNum type="arabicParenR"/>
-            </a:pPr>
-            <a:r>
-              <a:rPr lang="en-US" sz="4000" dirty="0"/>
-              <a:t>ShapeFactor4 (SF4)</a:t>
+              <a:rPr lang="en-US" dirty="0"/>
+              <a:t>Total: 16</a:t>
             </a:r>
           </a:p>
         </p:txBody>
       </p:sp>
       <p:pic>
         <p:nvPicPr>
-          <p:cNvPr id="6" name="Graphic 5" descr="Wolf with solid fill">
+          <p:cNvPr id="5" name="Graphic 4" descr="Wolf with solid fill">
             <a:extLst>
               <a:ext uri="{FF2B5EF4-FFF2-40B4-BE49-F238E27FC236}">
-                <a16:creationId xmlns:a16="http://schemas.microsoft.com/office/drawing/2014/main" id="{85A28445-D659-BBD3-F589-336B3DC241B6}"/>
+                <a16:creationId xmlns:a16="http://schemas.microsoft.com/office/drawing/2014/main" id="{54EBC32D-1FAE-A6DF-B52A-63D537FDC14B}"/>
               </a:ext>
             </a:extLst>
           </p:cNvPr>
@@ -16701,7 +16794,7 @@
     </p:spTree>
     <p:extLst>
       <p:ext uri="{BB962C8B-B14F-4D97-AF65-F5344CB8AC3E}">
-        <p14:creationId xmlns:p14="http://schemas.microsoft.com/office/powerpoint/2010/main" val="3649094680"/>
+        <p14:creationId xmlns:p14="http://schemas.microsoft.com/office/powerpoint/2010/main" val="3492259724"/>
       </p:ext>
     </p:extLst>
   </p:cSld>
@@ -16712,6 +16805,1386 @@
 </file>
 
 <file path=ppt/slides/slide5.xml><?xml version="1.0" encoding="utf-8"?>
+<p:sld xmlns:a="http://schemas.openxmlformats.org/drawingml/2006/main" xmlns:r="http://schemas.openxmlformats.org/officeDocument/2006/relationships" xmlns:p="http://schemas.openxmlformats.org/presentationml/2006/main">
+  <p:cSld>
+    <p:spTree>
+      <p:nvGrpSpPr>
+        <p:cNvPr id="1" name=""/>
+        <p:cNvGrpSpPr/>
+        <p:nvPr/>
+      </p:nvGrpSpPr>
+      <p:grpSpPr>
+        <a:xfrm>
+          <a:off x="0" y="0"/>
+          <a:ext cx="0" cy="0"/>
+          <a:chOff x="0" y="0"/>
+          <a:chExt cx="0" cy="0"/>
+        </a:xfrm>
+      </p:grpSpPr>
+      <p:sp>
+        <p:nvSpPr>
+          <p:cNvPr id="2" name="Title 1">
+            <a:extLst>
+              <a:ext uri="{FF2B5EF4-FFF2-40B4-BE49-F238E27FC236}">
+                <a16:creationId xmlns:a16="http://schemas.microsoft.com/office/drawing/2014/main" id="{164F814C-DB05-444F-784D-39974DD80E73}"/>
+              </a:ext>
+            </a:extLst>
+          </p:cNvPr>
+          <p:cNvSpPr>
+            <a:spLocks noGrp="1"/>
+          </p:cNvSpPr>
+          <p:nvPr>
+            <p:ph type="title"/>
+          </p:nvPr>
+        </p:nvSpPr>
+        <p:spPr/>
+        <p:txBody>
+          <a:bodyPr/>
+          <a:lstStyle/>
+          <a:p>
+            <a:r>
+              <a:rPr lang="en-US" dirty="0">
+                <a:latin typeface="+mn-lt"/>
+              </a:rPr>
+              <a:t>Features</a:t>
+            </a:r>
+          </a:p>
+        </p:txBody>
+      </p:sp>
+      <p:sp>
+        <p:nvSpPr>
+          <p:cNvPr id="3" name="Content Placeholder 2">
+            <a:extLst>
+              <a:ext uri="{FF2B5EF4-FFF2-40B4-BE49-F238E27FC236}">
+                <a16:creationId xmlns:a16="http://schemas.microsoft.com/office/drawing/2014/main" id="{1327EA4F-511C-E435-7BC2-7CAAB2282ADE}"/>
+              </a:ext>
+            </a:extLst>
+          </p:cNvPr>
+          <p:cNvSpPr>
+            <a:spLocks noGrp="1"/>
+          </p:cNvSpPr>
+          <p:nvPr>
+            <p:ph idx="1"/>
+          </p:nvPr>
+        </p:nvSpPr>
+        <p:spPr/>
+        <p:txBody>
+          <a:bodyPr/>
+          <a:lstStyle/>
+          <a:p>
+            <a:pPr marL="342900" indent="-342900">
+              <a:buFont typeface="+mj-lt"/>
+              <a:buAutoNum type="arabicParenR" startAt="9"/>
+            </a:pPr>
+            <a:r>
+              <a:rPr lang="en-US" sz="1800" dirty="0">
+                <a:latin typeface="+mj-lt"/>
+              </a:rPr>
+              <a:t>Extent (Ex): The ratio of the pixels in the bounding box to the bean area.</a:t>
+            </a:r>
+          </a:p>
+          <a:p>
+            <a:pPr marL="342900" indent="-342900">
+              <a:buFont typeface="+mj-lt"/>
+              <a:buAutoNum type="arabicParenR" startAt="9"/>
+            </a:pPr>
+            <a:r>
+              <a:rPr lang="en-US" sz="1800" dirty="0">
+                <a:latin typeface="+mj-lt"/>
+              </a:rPr>
+              <a:t>Solidity (S): Also known as convexity. The ratio of the pixels in the convex shell to those found in beans.</a:t>
+            </a:r>
+          </a:p>
+          <a:p>
+            <a:pPr marL="342900" indent="-342900">
+              <a:buFont typeface="+mj-lt"/>
+              <a:buAutoNum type="arabicParenR" startAt="9"/>
+            </a:pPr>
+            <a:r>
+              <a:rPr lang="en-US" sz="1800" dirty="0">
+                <a:latin typeface="+mj-lt"/>
+              </a:rPr>
+              <a:t>Roundness (R): Calculated with the following formula: (4piA)/(P^2)</a:t>
+            </a:r>
+          </a:p>
+          <a:p>
+            <a:pPr marL="342900" indent="-342900">
+              <a:buFont typeface="+mj-lt"/>
+              <a:buAutoNum type="arabicParenR" startAt="9"/>
+            </a:pPr>
+            <a:r>
+              <a:rPr lang="en-US" sz="1800" dirty="0">
+                <a:latin typeface="+mj-lt"/>
+              </a:rPr>
+              <a:t>Compactness (CO): Measures the roundness of an object: Ed/L</a:t>
+            </a:r>
+          </a:p>
+          <a:p>
+            <a:pPr marL="342900" indent="-342900">
+              <a:buFont typeface="+mj-lt"/>
+              <a:buAutoNum type="arabicParenR" startAt="9"/>
+            </a:pPr>
+            <a:r>
+              <a:rPr lang="en-US" sz="1800" dirty="0">
+                <a:latin typeface="+mj-lt"/>
+              </a:rPr>
+              <a:t>ShapeFactor1 (SF1)</a:t>
+            </a:r>
+          </a:p>
+          <a:p>
+            <a:pPr marL="342900" indent="-342900">
+              <a:buFont typeface="+mj-lt"/>
+              <a:buAutoNum type="arabicParenR" startAt="9"/>
+            </a:pPr>
+            <a:r>
+              <a:rPr lang="en-US" sz="1800" dirty="0">
+                <a:latin typeface="+mj-lt"/>
+              </a:rPr>
+              <a:t>ShapeFactor2 (SF2)</a:t>
+            </a:r>
+          </a:p>
+          <a:p>
+            <a:pPr marL="342900" indent="-342900">
+              <a:buFont typeface="+mj-lt"/>
+              <a:buAutoNum type="arabicParenR" startAt="9"/>
+            </a:pPr>
+            <a:r>
+              <a:rPr lang="en-US" sz="1800" dirty="0">
+                <a:latin typeface="+mj-lt"/>
+              </a:rPr>
+              <a:t>ShapeFactor3 (SF3)</a:t>
+            </a:r>
+          </a:p>
+          <a:p>
+            <a:pPr marL="342900" indent="-342900">
+              <a:buFont typeface="+mj-lt"/>
+              <a:buAutoNum type="arabicParenR" startAt="9"/>
+            </a:pPr>
+            <a:r>
+              <a:rPr lang="en-US" sz="1800" dirty="0">
+                <a:latin typeface="+mj-lt"/>
+              </a:rPr>
+              <a:t>ShapeFactor4 (SF4)</a:t>
+            </a:r>
+          </a:p>
+        </p:txBody>
+      </p:sp>
+      <p:sp>
+        <p:nvSpPr>
+          <p:cNvPr id="4" name="Text Placeholder 3">
+            <a:extLst>
+              <a:ext uri="{FF2B5EF4-FFF2-40B4-BE49-F238E27FC236}">
+                <a16:creationId xmlns:a16="http://schemas.microsoft.com/office/drawing/2014/main" id="{9D54C09C-E060-3B54-AAAA-84DA0749EB6D}"/>
+              </a:ext>
+            </a:extLst>
+          </p:cNvPr>
+          <p:cNvSpPr>
+            <a:spLocks noGrp="1"/>
+          </p:cNvSpPr>
+          <p:nvPr>
+            <p:ph type="body" sz="half" idx="2"/>
+          </p:nvPr>
+        </p:nvSpPr>
+        <p:spPr/>
+        <p:txBody>
+          <a:bodyPr/>
+          <a:lstStyle/>
+          <a:p>
+            <a:r>
+              <a:rPr lang="en-US" dirty="0"/>
+              <a:t>(continued)</a:t>
+            </a:r>
+          </a:p>
+        </p:txBody>
+      </p:sp>
+      <p:pic>
+        <p:nvPicPr>
+          <p:cNvPr id="5" name="Graphic 4" descr="Wolf with solid fill">
+            <a:extLst>
+              <a:ext uri="{FF2B5EF4-FFF2-40B4-BE49-F238E27FC236}">
+                <a16:creationId xmlns:a16="http://schemas.microsoft.com/office/drawing/2014/main" id="{747465BA-E829-CD46-5A12-F97791FB70E6}"/>
+              </a:ext>
+            </a:extLst>
+          </p:cNvPr>
+          <p:cNvPicPr>
+            <a:picLocks noChangeAspect="1"/>
+          </p:cNvPicPr>
+          <p:nvPr/>
+        </p:nvPicPr>
+        <p:blipFill>
+          <a:blip r:embed="rId2">
+            <a:extLst>
+              <a:ext uri="{96DAC541-7B7A-43D3-8B79-37D633B846F1}">
+                <asvg:svgBlip xmlns:asvg="http://schemas.microsoft.com/office/drawing/2016/SVG/main" r:embed="rId3"/>
+              </a:ext>
+            </a:extLst>
+          </a:blip>
+          <a:stretch>
+            <a:fillRect/>
+          </a:stretch>
+        </p:blipFill>
+        <p:spPr>
+          <a:xfrm>
+            <a:off x="3812623" y="1673708"/>
+            <a:ext cx="577206" cy="577206"/>
+          </a:xfrm>
+          <a:prstGeom prst="rect">
+            <a:avLst/>
+          </a:prstGeom>
+        </p:spPr>
+      </p:pic>
+    </p:spTree>
+    <p:extLst>
+      <p:ext uri="{BB962C8B-B14F-4D97-AF65-F5344CB8AC3E}">
+        <p14:creationId xmlns:p14="http://schemas.microsoft.com/office/powerpoint/2010/main" val="2354696670"/>
+      </p:ext>
+    </p:extLst>
+  </p:cSld>
+  <p:clrMapOvr>
+    <a:masterClrMapping/>
+  </p:clrMapOvr>
+</p:sld>
+</file>
+
+<file path=ppt/slides/slide6.xml><?xml version="1.0" encoding="utf-8"?>
+<p:sld xmlns:a="http://schemas.openxmlformats.org/drawingml/2006/main" xmlns:r="http://schemas.openxmlformats.org/officeDocument/2006/relationships" xmlns:p="http://schemas.openxmlformats.org/presentationml/2006/main">
+  <p:cSld>
+    <p:spTree>
+      <p:nvGrpSpPr>
+        <p:cNvPr id="1" name=""/>
+        <p:cNvGrpSpPr/>
+        <p:nvPr/>
+      </p:nvGrpSpPr>
+      <p:grpSpPr>
+        <a:xfrm>
+          <a:off x="0" y="0"/>
+          <a:ext cx="0" cy="0"/>
+          <a:chOff x="0" y="0"/>
+          <a:chExt cx="0" cy="0"/>
+        </a:xfrm>
+      </p:grpSpPr>
+      <p:sp>
+        <p:nvSpPr>
+          <p:cNvPr id="2" name="Title 1">
+            <a:extLst>
+              <a:ext uri="{FF2B5EF4-FFF2-40B4-BE49-F238E27FC236}">
+                <a16:creationId xmlns:a16="http://schemas.microsoft.com/office/drawing/2014/main" id="{E8D66F67-D6E1-FBB4-BC43-0EDC23993622}"/>
+              </a:ext>
+            </a:extLst>
+          </p:cNvPr>
+          <p:cNvSpPr>
+            <a:spLocks noGrp="1"/>
+          </p:cNvSpPr>
+          <p:nvPr>
+            <p:ph type="title"/>
+          </p:nvPr>
+        </p:nvSpPr>
+        <p:spPr/>
+        <p:txBody>
+          <a:bodyPr/>
+          <a:lstStyle/>
+          <a:p>
+            <a:r>
+              <a:rPr lang="en-US" dirty="0">
+                <a:latin typeface="+mn-lt"/>
+              </a:rPr>
+              <a:t>Features</a:t>
+            </a:r>
+          </a:p>
+        </p:txBody>
+      </p:sp>
+      <p:graphicFrame>
+        <p:nvGraphicFramePr>
+          <p:cNvPr id="5" name="Content Placeholder 4">
+            <a:extLst>
+              <a:ext uri="{FF2B5EF4-FFF2-40B4-BE49-F238E27FC236}">
+                <a16:creationId xmlns:a16="http://schemas.microsoft.com/office/drawing/2014/main" id="{83D67727-2660-7B8D-7D3C-89AC71DF5691}"/>
+              </a:ext>
+            </a:extLst>
+          </p:cNvPr>
+          <p:cNvGraphicFramePr>
+            <a:graphicFrameLocks noGrp="1"/>
+          </p:cNvGraphicFramePr>
+          <p:nvPr>
+            <p:ph idx="1"/>
+            <p:extLst>
+              <p:ext uri="{D42A27DB-BD31-4B8C-83A1-F6EECF244321}">
+                <p14:modId xmlns:p14="http://schemas.microsoft.com/office/powerpoint/2010/main" val="1187196399"/>
+              </p:ext>
+            </p:extLst>
+          </p:nvPr>
+        </p:nvGraphicFramePr>
+        <p:xfrm>
+          <a:off x="5110163" y="234860"/>
+          <a:ext cx="6275385" cy="6304280"/>
+        </p:xfrm>
+        <a:graphic>
+          <a:graphicData uri="http://schemas.openxmlformats.org/drawingml/2006/table">
+            <a:tbl>
+              <a:tblPr firstRow="1" bandRow="1">
+                <a:tableStyleId>{5C22544A-7EE6-4342-B048-85BDC9FD1C3A}</a:tableStyleId>
+              </a:tblPr>
+              <a:tblGrid>
+                <a:gridCol w="2459037">
+                  <a:extLst>
+                    <a:ext uri="{9D8B030D-6E8A-4147-A177-3AD203B41FA5}">
+                      <a16:colId xmlns:a16="http://schemas.microsoft.com/office/drawing/2014/main" val="4067379544"/>
+                    </a:ext>
+                  </a:extLst>
+                </a:gridCol>
+                <a:gridCol w="1333500">
+                  <a:extLst>
+                    <a:ext uri="{9D8B030D-6E8A-4147-A177-3AD203B41FA5}">
+                      <a16:colId xmlns:a16="http://schemas.microsoft.com/office/drawing/2014/main" val="3896531952"/>
+                    </a:ext>
+                  </a:extLst>
+                </a:gridCol>
+                <a:gridCol w="2482848">
+                  <a:extLst>
+                    <a:ext uri="{9D8B030D-6E8A-4147-A177-3AD203B41FA5}">
+                      <a16:colId xmlns:a16="http://schemas.microsoft.com/office/drawing/2014/main" val="1523828359"/>
+                    </a:ext>
+                  </a:extLst>
+                </a:gridCol>
+              </a:tblGrid>
+              <a:tr h="370840">
+                <a:tc>
+                  <a:txBody>
+                    <a:bodyPr/>
+                    <a:lstStyle/>
+                    <a:p>
+                      <a:r>
+                        <a:rPr lang="en-US" dirty="0">
+                          <a:latin typeface="+mj-lt"/>
+                        </a:rPr>
+                        <a:t>Features</a:t>
+                      </a:r>
+                    </a:p>
+                  </a:txBody>
+                  <a:tcPr/>
+                </a:tc>
+                <a:tc>
+                  <a:txBody>
+                    <a:bodyPr/>
+                    <a:lstStyle/>
+                    <a:p>
+                      <a:r>
+                        <a:rPr lang="en-US" dirty="0">
+                          <a:latin typeface="+mj-lt"/>
+                        </a:rPr>
+                        <a:t>Data Type</a:t>
+                      </a:r>
+                    </a:p>
+                  </a:txBody>
+                  <a:tcPr/>
+                </a:tc>
+                <a:tc>
+                  <a:txBody>
+                    <a:bodyPr/>
+                    <a:lstStyle/>
+                    <a:p>
+                      <a:r>
+                        <a:rPr lang="en-US" dirty="0">
+                          <a:latin typeface="+mj-lt"/>
+                        </a:rPr>
+                        <a:t>Measurement Scale</a:t>
+                      </a:r>
+                    </a:p>
+                  </a:txBody>
+                  <a:tcPr/>
+                </a:tc>
+                <a:extLst>
+                  <a:ext uri="{0D108BD9-81ED-4DB2-BD59-A6C34878D82A}">
+                    <a16:rowId xmlns:a16="http://schemas.microsoft.com/office/drawing/2014/main" val="3545654474"/>
+                  </a:ext>
+                </a:extLst>
+              </a:tr>
+              <a:tr h="370840">
+                <a:tc>
+                  <a:txBody>
+                    <a:bodyPr/>
+                    <a:lstStyle/>
+                    <a:p>
+                      <a:r>
+                        <a:rPr lang="en-US" dirty="0">
+                          <a:latin typeface="+mj-lt"/>
+                        </a:rPr>
+                        <a:t>Area</a:t>
+                      </a:r>
+                    </a:p>
+                  </a:txBody>
+                  <a:tcPr/>
+                </a:tc>
+                <a:tc>
+                  <a:txBody>
+                    <a:bodyPr/>
+                    <a:lstStyle/>
+                    <a:p>
+                      <a:r>
+                        <a:rPr lang="en-US" dirty="0">
+                          <a:latin typeface="+mj-lt"/>
+                        </a:rPr>
+                        <a:t>float </a:t>
+                      </a:r>
+                    </a:p>
+                  </a:txBody>
+                  <a:tcPr/>
+                </a:tc>
+                <a:tc>
+                  <a:txBody>
+                    <a:bodyPr/>
+                    <a:lstStyle/>
+                    <a:p>
+                      <a:r>
+                        <a:rPr lang="en-US" dirty="0">
+                          <a:latin typeface="+mj-lt"/>
+                        </a:rPr>
+                        <a:t>Ratio</a:t>
+                      </a:r>
+                    </a:p>
+                  </a:txBody>
+                  <a:tcPr/>
+                </a:tc>
+                <a:extLst>
+                  <a:ext uri="{0D108BD9-81ED-4DB2-BD59-A6C34878D82A}">
+                    <a16:rowId xmlns:a16="http://schemas.microsoft.com/office/drawing/2014/main" val="4193581196"/>
+                  </a:ext>
+                </a:extLst>
+              </a:tr>
+              <a:tr h="370840">
+                <a:tc>
+                  <a:txBody>
+                    <a:bodyPr/>
+                    <a:lstStyle/>
+                    <a:p>
+                      <a:r>
+                        <a:rPr lang="en-US" dirty="0">
+                          <a:latin typeface="+mj-lt"/>
+                        </a:rPr>
+                        <a:t>Perimeter</a:t>
+                      </a:r>
+                    </a:p>
+                  </a:txBody>
+                  <a:tcPr/>
+                </a:tc>
+                <a:tc>
+                  <a:txBody>
+                    <a:bodyPr/>
+                    <a:lstStyle/>
+                    <a:p>
+                      <a:r>
+                        <a:rPr lang="en-US" dirty="0">
+                          <a:latin typeface="+mj-lt"/>
+                        </a:rPr>
+                        <a:t>float</a:t>
+                      </a:r>
+                    </a:p>
+                  </a:txBody>
+                  <a:tcPr/>
+                </a:tc>
+                <a:tc>
+                  <a:txBody>
+                    <a:bodyPr/>
+                    <a:lstStyle/>
+                    <a:p>
+                      <a:r>
+                        <a:rPr lang="en-US" dirty="0">
+                          <a:latin typeface="+mj-lt"/>
+                        </a:rPr>
+                        <a:t>Ratio</a:t>
+                      </a:r>
+                    </a:p>
+                  </a:txBody>
+                  <a:tcPr/>
+                </a:tc>
+                <a:extLst>
+                  <a:ext uri="{0D108BD9-81ED-4DB2-BD59-A6C34878D82A}">
+                    <a16:rowId xmlns:a16="http://schemas.microsoft.com/office/drawing/2014/main" val="1741559599"/>
+                  </a:ext>
+                </a:extLst>
+              </a:tr>
+              <a:tr h="370840">
+                <a:tc>
+                  <a:txBody>
+                    <a:bodyPr/>
+                    <a:lstStyle/>
+                    <a:p>
+                      <a:r>
+                        <a:rPr lang="en-US" dirty="0">
+                          <a:latin typeface="+mj-lt"/>
+                        </a:rPr>
+                        <a:t>Major Axis Length</a:t>
+                      </a:r>
+                    </a:p>
+                  </a:txBody>
+                  <a:tcPr/>
+                </a:tc>
+                <a:tc>
+                  <a:txBody>
+                    <a:bodyPr/>
+                    <a:lstStyle/>
+                    <a:p>
+                      <a:r>
+                        <a:rPr lang="en-US" dirty="0">
+                          <a:latin typeface="+mj-lt"/>
+                        </a:rPr>
+                        <a:t>float</a:t>
+                      </a:r>
+                    </a:p>
+                  </a:txBody>
+                  <a:tcPr/>
+                </a:tc>
+                <a:tc>
+                  <a:txBody>
+                    <a:bodyPr/>
+                    <a:lstStyle/>
+                    <a:p>
+                      <a:r>
+                        <a:rPr lang="en-US" dirty="0">
+                          <a:latin typeface="+mj-lt"/>
+                        </a:rPr>
+                        <a:t>Ratio</a:t>
+                      </a:r>
+                    </a:p>
+                  </a:txBody>
+                  <a:tcPr/>
+                </a:tc>
+                <a:extLst>
+                  <a:ext uri="{0D108BD9-81ED-4DB2-BD59-A6C34878D82A}">
+                    <a16:rowId xmlns:a16="http://schemas.microsoft.com/office/drawing/2014/main" val="3102437483"/>
+                  </a:ext>
+                </a:extLst>
+              </a:tr>
+              <a:tr h="370840">
+                <a:tc>
+                  <a:txBody>
+                    <a:bodyPr/>
+                    <a:lstStyle/>
+                    <a:p>
+                      <a:r>
+                        <a:rPr lang="en-US" dirty="0">
+                          <a:latin typeface="+mj-lt"/>
+                        </a:rPr>
+                        <a:t>Minor Axis Length</a:t>
+                      </a:r>
+                    </a:p>
+                  </a:txBody>
+                  <a:tcPr/>
+                </a:tc>
+                <a:tc>
+                  <a:txBody>
+                    <a:bodyPr/>
+                    <a:lstStyle/>
+                    <a:p>
+                      <a:r>
+                        <a:rPr lang="en-US" dirty="0">
+                          <a:latin typeface="+mj-lt"/>
+                        </a:rPr>
+                        <a:t>float</a:t>
+                      </a:r>
+                    </a:p>
+                  </a:txBody>
+                  <a:tcPr/>
+                </a:tc>
+                <a:tc>
+                  <a:txBody>
+                    <a:bodyPr/>
+                    <a:lstStyle/>
+                    <a:p>
+                      <a:r>
+                        <a:rPr lang="en-US" dirty="0">
+                          <a:latin typeface="+mj-lt"/>
+                        </a:rPr>
+                        <a:t>Ratio</a:t>
+                      </a:r>
+                    </a:p>
+                  </a:txBody>
+                  <a:tcPr/>
+                </a:tc>
+                <a:extLst>
+                  <a:ext uri="{0D108BD9-81ED-4DB2-BD59-A6C34878D82A}">
+                    <a16:rowId xmlns:a16="http://schemas.microsoft.com/office/drawing/2014/main" val="2997209527"/>
+                  </a:ext>
+                </a:extLst>
+              </a:tr>
+              <a:tr h="370840">
+                <a:tc>
+                  <a:txBody>
+                    <a:bodyPr/>
+                    <a:lstStyle/>
+                    <a:p>
+                      <a:r>
+                        <a:rPr lang="en-US" dirty="0">
+                          <a:latin typeface="+mj-lt"/>
+                        </a:rPr>
+                        <a:t>Aspect Ratio</a:t>
+                      </a:r>
+                    </a:p>
+                  </a:txBody>
+                  <a:tcPr/>
+                </a:tc>
+                <a:tc>
+                  <a:txBody>
+                    <a:bodyPr/>
+                    <a:lstStyle/>
+                    <a:p>
+                      <a:r>
+                        <a:rPr lang="en-US" dirty="0">
+                          <a:latin typeface="+mj-lt"/>
+                        </a:rPr>
+                        <a:t>float</a:t>
+                      </a:r>
+                    </a:p>
+                  </a:txBody>
+                  <a:tcPr/>
+                </a:tc>
+                <a:tc>
+                  <a:txBody>
+                    <a:bodyPr/>
+                    <a:lstStyle/>
+                    <a:p>
+                      <a:r>
+                        <a:rPr lang="en-US" dirty="0">
+                          <a:latin typeface="+mj-lt"/>
+                        </a:rPr>
+                        <a:t>Ratio</a:t>
+                      </a:r>
+                    </a:p>
+                  </a:txBody>
+                  <a:tcPr/>
+                </a:tc>
+                <a:extLst>
+                  <a:ext uri="{0D108BD9-81ED-4DB2-BD59-A6C34878D82A}">
+                    <a16:rowId xmlns:a16="http://schemas.microsoft.com/office/drawing/2014/main" val="3495284966"/>
+                  </a:ext>
+                </a:extLst>
+              </a:tr>
+              <a:tr h="370840">
+                <a:tc>
+                  <a:txBody>
+                    <a:bodyPr/>
+                    <a:lstStyle/>
+                    <a:p>
+                      <a:r>
+                        <a:rPr lang="en-US" dirty="0">
+                          <a:latin typeface="+mj-lt"/>
+                        </a:rPr>
+                        <a:t>Eccentricity</a:t>
+                      </a:r>
+                    </a:p>
+                  </a:txBody>
+                  <a:tcPr/>
+                </a:tc>
+                <a:tc>
+                  <a:txBody>
+                    <a:bodyPr/>
+                    <a:lstStyle/>
+                    <a:p>
+                      <a:r>
+                        <a:rPr lang="en-US" dirty="0">
+                          <a:latin typeface="+mj-lt"/>
+                        </a:rPr>
+                        <a:t>float</a:t>
+                      </a:r>
+                    </a:p>
+                  </a:txBody>
+                  <a:tcPr/>
+                </a:tc>
+                <a:tc>
+                  <a:txBody>
+                    <a:bodyPr/>
+                    <a:lstStyle/>
+                    <a:p>
+                      <a:r>
+                        <a:rPr lang="en-US" dirty="0">
+                          <a:latin typeface="+mj-lt"/>
+                        </a:rPr>
+                        <a:t>Ratio</a:t>
+                      </a:r>
+                    </a:p>
+                  </a:txBody>
+                  <a:tcPr/>
+                </a:tc>
+                <a:extLst>
+                  <a:ext uri="{0D108BD9-81ED-4DB2-BD59-A6C34878D82A}">
+                    <a16:rowId xmlns:a16="http://schemas.microsoft.com/office/drawing/2014/main" val="4008667253"/>
+                  </a:ext>
+                </a:extLst>
+              </a:tr>
+              <a:tr h="370840">
+                <a:tc>
+                  <a:txBody>
+                    <a:bodyPr/>
+                    <a:lstStyle/>
+                    <a:p>
+                      <a:r>
+                        <a:rPr lang="en-US" dirty="0">
+                          <a:latin typeface="+mj-lt"/>
+                        </a:rPr>
+                        <a:t>Convex Area</a:t>
+                      </a:r>
+                    </a:p>
+                  </a:txBody>
+                  <a:tcPr/>
+                </a:tc>
+                <a:tc>
+                  <a:txBody>
+                    <a:bodyPr/>
+                    <a:lstStyle/>
+                    <a:p>
+                      <a:r>
+                        <a:rPr lang="en-US" dirty="0">
+                          <a:latin typeface="+mj-lt"/>
+                        </a:rPr>
+                        <a:t>float</a:t>
+                      </a:r>
+                    </a:p>
+                  </a:txBody>
+                  <a:tcPr/>
+                </a:tc>
+                <a:tc>
+                  <a:txBody>
+                    <a:bodyPr/>
+                    <a:lstStyle/>
+                    <a:p>
+                      <a:r>
+                        <a:rPr lang="en-US" dirty="0">
+                          <a:latin typeface="+mj-lt"/>
+                        </a:rPr>
+                        <a:t>Ratio</a:t>
+                      </a:r>
+                    </a:p>
+                  </a:txBody>
+                  <a:tcPr/>
+                </a:tc>
+                <a:extLst>
+                  <a:ext uri="{0D108BD9-81ED-4DB2-BD59-A6C34878D82A}">
+                    <a16:rowId xmlns:a16="http://schemas.microsoft.com/office/drawing/2014/main" val="559336142"/>
+                  </a:ext>
+                </a:extLst>
+              </a:tr>
+              <a:tr h="370840">
+                <a:tc>
+                  <a:txBody>
+                    <a:bodyPr/>
+                    <a:lstStyle/>
+                    <a:p>
+                      <a:r>
+                        <a:rPr lang="en-US" dirty="0">
+                          <a:latin typeface="+mj-lt"/>
+                        </a:rPr>
+                        <a:t>Equivalent Diameter</a:t>
+                      </a:r>
+                    </a:p>
+                  </a:txBody>
+                  <a:tcPr/>
+                </a:tc>
+                <a:tc>
+                  <a:txBody>
+                    <a:bodyPr/>
+                    <a:lstStyle/>
+                    <a:p>
+                      <a:r>
+                        <a:rPr lang="en-US" dirty="0">
+                          <a:latin typeface="+mj-lt"/>
+                        </a:rPr>
+                        <a:t>float</a:t>
+                      </a:r>
+                    </a:p>
+                  </a:txBody>
+                  <a:tcPr/>
+                </a:tc>
+                <a:tc>
+                  <a:txBody>
+                    <a:bodyPr/>
+                    <a:lstStyle/>
+                    <a:p>
+                      <a:r>
+                        <a:rPr lang="en-US" dirty="0">
+                          <a:latin typeface="+mj-lt"/>
+                        </a:rPr>
+                        <a:t>Ratio</a:t>
+                      </a:r>
+                    </a:p>
+                  </a:txBody>
+                  <a:tcPr/>
+                </a:tc>
+                <a:extLst>
+                  <a:ext uri="{0D108BD9-81ED-4DB2-BD59-A6C34878D82A}">
+                    <a16:rowId xmlns:a16="http://schemas.microsoft.com/office/drawing/2014/main" val="3986533990"/>
+                  </a:ext>
+                </a:extLst>
+              </a:tr>
+              <a:tr h="370840">
+                <a:tc>
+                  <a:txBody>
+                    <a:bodyPr/>
+                    <a:lstStyle/>
+                    <a:p>
+                      <a:r>
+                        <a:rPr lang="en-US" dirty="0">
+                          <a:latin typeface="+mj-lt"/>
+                        </a:rPr>
+                        <a:t>Extent</a:t>
+                      </a:r>
+                    </a:p>
+                  </a:txBody>
+                  <a:tcPr/>
+                </a:tc>
+                <a:tc>
+                  <a:txBody>
+                    <a:bodyPr/>
+                    <a:lstStyle/>
+                    <a:p>
+                      <a:r>
+                        <a:rPr lang="en-US" dirty="0">
+                          <a:latin typeface="+mj-lt"/>
+                        </a:rPr>
+                        <a:t>float</a:t>
+                      </a:r>
+                    </a:p>
+                  </a:txBody>
+                  <a:tcPr/>
+                </a:tc>
+                <a:tc>
+                  <a:txBody>
+                    <a:bodyPr/>
+                    <a:lstStyle/>
+                    <a:p>
+                      <a:r>
+                        <a:rPr lang="en-US" dirty="0">
+                          <a:latin typeface="+mj-lt"/>
+                        </a:rPr>
+                        <a:t>Ratio</a:t>
+                      </a:r>
+                    </a:p>
+                  </a:txBody>
+                  <a:tcPr/>
+                </a:tc>
+                <a:extLst>
+                  <a:ext uri="{0D108BD9-81ED-4DB2-BD59-A6C34878D82A}">
+                    <a16:rowId xmlns:a16="http://schemas.microsoft.com/office/drawing/2014/main" val="916001849"/>
+                  </a:ext>
+                </a:extLst>
+              </a:tr>
+              <a:tr h="370840">
+                <a:tc>
+                  <a:txBody>
+                    <a:bodyPr/>
+                    <a:lstStyle/>
+                    <a:p>
+                      <a:r>
+                        <a:rPr lang="en-US" dirty="0">
+                          <a:latin typeface="+mj-lt"/>
+                        </a:rPr>
+                        <a:t>Solidity</a:t>
+                      </a:r>
+                    </a:p>
+                  </a:txBody>
+                  <a:tcPr/>
+                </a:tc>
+                <a:tc>
+                  <a:txBody>
+                    <a:bodyPr/>
+                    <a:lstStyle/>
+                    <a:p>
+                      <a:r>
+                        <a:rPr lang="en-US" dirty="0">
+                          <a:latin typeface="+mj-lt"/>
+                        </a:rPr>
+                        <a:t>float</a:t>
+                      </a:r>
+                    </a:p>
+                  </a:txBody>
+                  <a:tcPr/>
+                </a:tc>
+                <a:tc>
+                  <a:txBody>
+                    <a:bodyPr/>
+                    <a:lstStyle/>
+                    <a:p>
+                      <a:r>
+                        <a:rPr lang="en-US" dirty="0">
+                          <a:latin typeface="+mj-lt"/>
+                        </a:rPr>
+                        <a:t>Ratio</a:t>
+                      </a:r>
+                    </a:p>
+                  </a:txBody>
+                  <a:tcPr/>
+                </a:tc>
+                <a:extLst>
+                  <a:ext uri="{0D108BD9-81ED-4DB2-BD59-A6C34878D82A}">
+                    <a16:rowId xmlns:a16="http://schemas.microsoft.com/office/drawing/2014/main" val="3101081015"/>
+                  </a:ext>
+                </a:extLst>
+              </a:tr>
+              <a:tr h="370840">
+                <a:tc>
+                  <a:txBody>
+                    <a:bodyPr/>
+                    <a:lstStyle/>
+                    <a:p>
+                      <a:r>
+                        <a:rPr lang="en-US" dirty="0">
+                          <a:latin typeface="+mj-lt"/>
+                        </a:rPr>
+                        <a:t>Roundness</a:t>
+                      </a:r>
+                    </a:p>
+                  </a:txBody>
+                  <a:tcPr/>
+                </a:tc>
+                <a:tc>
+                  <a:txBody>
+                    <a:bodyPr/>
+                    <a:lstStyle/>
+                    <a:p>
+                      <a:r>
+                        <a:rPr lang="en-US" dirty="0">
+                          <a:latin typeface="+mj-lt"/>
+                        </a:rPr>
+                        <a:t>float</a:t>
+                      </a:r>
+                    </a:p>
+                  </a:txBody>
+                  <a:tcPr/>
+                </a:tc>
+                <a:tc>
+                  <a:txBody>
+                    <a:bodyPr/>
+                    <a:lstStyle/>
+                    <a:p>
+                      <a:r>
+                        <a:rPr lang="en-US" dirty="0">
+                          <a:latin typeface="+mj-lt"/>
+                        </a:rPr>
+                        <a:t>Ratio</a:t>
+                      </a:r>
+                    </a:p>
+                  </a:txBody>
+                  <a:tcPr/>
+                </a:tc>
+                <a:extLst>
+                  <a:ext uri="{0D108BD9-81ED-4DB2-BD59-A6C34878D82A}">
+                    <a16:rowId xmlns:a16="http://schemas.microsoft.com/office/drawing/2014/main" val="2860804128"/>
+                  </a:ext>
+                </a:extLst>
+              </a:tr>
+              <a:tr h="370840">
+                <a:tc>
+                  <a:txBody>
+                    <a:bodyPr/>
+                    <a:lstStyle/>
+                    <a:p>
+                      <a:r>
+                        <a:rPr lang="en-US" dirty="0">
+                          <a:latin typeface="+mj-lt"/>
+                        </a:rPr>
+                        <a:t>Compactness</a:t>
+                      </a:r>
+                    </a:p>
+                  </a:txBody>
+                  <a:tcPr/>
+                </a:tc>
+                <a:tc>
+                  <a:txBody>
+                    <a:bodyPr/>
+                    <a:lstStyle/>
+                    <a:p>
+                      <a:r>
+                        <a:rPr lang="en-US" dirty="0">
+                          <a:latin typeface="+mj-lt"/>
+                        </a:rPr>
+                        <a:t>float</a:t>
+                      </a:r>
+                    </a:p>
+                  </a:txBody>
+                  <a:tcPr/>
+                </a:tc>
+                <a:tc>
+                  <a:txBody>
+                    <a:bodyPr/>
+                    <a:lstStyle/>
+                    <a:p>
+                      <a:r>
+                        <a:rPr lang="en-US" dirty="0">
+                          <a:latin typeface="+mj-lt"/>
+                        </a:rPr>
+                        <a:t>Ratio</a:t>
+                      </a:r>
+                    </a:p>
+                  </a:txBody>
+                  <a:tcPr/>
+                </a:tc>
+                <a:extLst>
+                  <a:ext uri="{0D108BD9-81ED-4DB2-BD59-A6C34878D82A}">
+                    <a16:rowId xmlns:a16="http://schemas.microsoft.com/office/drawing/2014/main" val="4109296797"/>
+                  </a:ext>
+                </a:extLst>
+              </a:tr>
+              <a:tr h="370840">
+                <a:tc>
+                  <a:txBody>
+                    <a:bodyPr/>
+                    <a:lstStyle/>
+                    <a:p>
+                      <a:r>
+                        <a:rPr lang="en-US" dirty="0">
+                          <a:latin typeface="+mj-lt"/>
+                        </a:rPr>
+                        <a:t>ShapeFactor1</a:t>
+                      </a:r>
+                    </a:p>
+                  </a:txBody>
+                  <a:tcPr/>
+                </a:tc>
+                <a:tc>
+                  <a:txBody>
+                    <a:bodyPr/>
+                    <a:lstStyle/>
+                    <a:p>
+                      <a:r>
+                        <a:rPr lang="en-US" dirty="0">
+                          <a:latin typeface="+mj-lt"/>
+                        </a:rPr>
+                        <a:t>float</a:t>
+                      </a:r>
+                    </a:p>
+                  </a:txBody>
+                  <a:tcPr/>
+                </a:tc>
+                <a:tc>
+                  <a:txBody>
+                    <a:bodyPr/>
+                    <a:lstStyle/>
+                    <a:p>
+                      <a:r>
+                        <a:rPr lang="en-US" dirty="0">
+                          <a:latin typeface="+mj-lt"/>
+                        </a:rPr>
+                        <a:t>Ratio</a:t>
+                      </a:r>
+                    </a:p>
+                  </a:txBody>
+                  <a:tcPr/>
+                </a:tc>
+                <a:extLst>
+                  <a:ext uri="{0D108BD9-81ED-4DB2-BD59-A6C34878D82A}">
+                    <a16:rowId xmlns:a16="http://schemas.microsoft.com/office/drawing/2014/main" val="3827586096"/>
+                  </a:ext>
+                </a:extLst>
+              </a:tr>
+              <a:tr h="370840">
+                <a:tc>
+                  <a:txBody>
+                    <a:bodyPr/>
+                    <a:lstStyle/>
+                    <a:p>
+                      <a:r>
+                        <a:rPr lang="en-US" dirty="0">
+                          <a:latin typeface="+mj-lt"/>
+                        </a:rPr>
+                        <a:t>ShapeFactor2</a:t>
+                      </a:r>
+                    </a:p>
+                  </a:txBody>
+                  <a:tcPr/>
+                </a:tc>
+                <a:tc>
+                  <a:txBody>
+                    <a:bodyPr/>
+                    <a:lstStyle/>
+                    <a:p>
+                      <a:r>
+                        <a:rPr lang="en-US" dirty="0">
+                          <a:latin typeface="+mj-lt"/>
+                        </a:rPr>
+                        <a:t>float</a:t>
+                      </a:r>
+                    </a:p>
+                  </a:txBody>
+                  <a:tcPr/>
+                </a:tc>
+                <a:tc>
+                  <a:txBody>
+                    <a:bodyPr/>
+                    <a:lstStyle/>
+                    <a:p>
+                      <a:r>
+                        <a:rPr lang="en-US" dirty="0">
+                          <a:latin typeface="+mj-lt"/>
+                        </a:rPr>
+                        <a:t>Ratio</a:t>
+                      </a:r>
+                    </a:p>
+                  </a:txBody>
+                  <a:tcPr/>
+                </a:tc>
+                <a:extLst>
+                  <a:ext uri="{0D108BD9-81ED-4DB2-BD59-A6C34878D82A}">
+                    <a16:rowId xmlns:a16="http://schemas.microsoft.com/office/drawing/2014/main" val="2398505363"/>
+                  </a:ext>
+                </a:extLst>
+              </a:tr>
+              <a:tr h="370840">
+                <a:tc>
+                  <a:txBody>
+                    <a:bodyPr/>
+                    <a:lstStyle/>
+                    <a:p>
+                      <a:r>
+                        <a:rPr lang="en-US" dirty="0">
+                          <a:latin typeface="+mj-lt"/>
+                        </a:rPr>
+                        <a:t>ShapeFactor3</a:t>
+                      </a:r>
+                    </a:p>
+                  </a:txBody>
+                  <a:tcPr/>
+                </a:tc>
+                <a:tc>
+                  <a:txBody>
+                    <a:bodyPr/>
+                    <a:lstStyle/>
+                    <a:p>
+                      <a:r>
+                        <a:rPr lang="en-US" dirty="0">
+                          <a:latin typeface="+mj-lt"/>
+                        </a:rPr>
+                        <a:t>float</a:t>
+                      </a:r>
+                    </a:p>
+                  </a:txBody>
+                  <a:tcPr/>
+                </a:tc>
+                <a:tc>
+                  <a:txBody>
+                    <a:bodyPr/>
+                    <a:lstStyle/>
+                    <a:p>
+                      <a:r>
+                        <a:rPr lang="en-US" dirty="0">
+                          <a:latin typeface="+mj-lt"/>
+                        </a:rPr>
+                        <a:t>Ratio</a:t>
+                      </a:r>
+                    </a:p>
+                  </a:txBody>
+                  <a:tcPr/>
+                </a:tc>
+                <a:extLst>
+                  <a:ext uri="{0D108BD9-81ED-4DB2-BD59-A6C34878D82A}">
+                    <a16:rowId xmlns:a16="http://schemas.microsoft.com/office/drawing/2014/main" val="2066352975"/>
+                  </a:ext>
+                </a:extLst>
+              </a:tr>
+              <a:tr h="370840">
+                <a:tc>
+                  <a:txBody>
+                    <a:bodyPr/>
+                    <a:lstStyle/>
+                    <a:p>
+                      <a:r>
+                        <a:rPr lang="en-US" dirty="0">
+                          <a:latin typeface="+mj-lt"/>
+                        </a:rPr>
+                        <a:t>ShapeFactor4</a:t>
+                      </a:r>
+                    </a:p>
+                  </a:txBody>
+                  <a:tcPr/>
+                </a:tc>
+                <a:tc>
+                  <a:txBody>
+                    <a:bodyPr/>
+                    <a:lstStyle/>
+                    <a:p>
+                      <a:r>
+                        <a:rPr lang="en-US" dirty="0">
+                          <a:latin typeface="+mj-lt"/>
+                        </a:rPr>
+                        <a:t>float</a:t>
+                      </a:r>
+                    </a:p>
+                  </a:txBody>
+                  <a:tcPr/>
+                </a:tc>
+                <a:tc>
+                  <a:txBody>
+                    <a:bodyPr/>
+                    <a:lstStyle/>
+                    <a:p>
+                      <a:r>
+                        <a:rPr lang="en-US" dirty="0">
+                          <a:latin typeface="+mj-lt"/>
+                        </a:rPr>
+                        <a:t>Ratio</a:t>
+                      </a:r>
+                    </a:p>
+                  </a:txBody>
+                  <a:tcPr/>
+                </a:tc>
+                <a:extLst>
+                  <a:ext uri="{0D108BD9-81ED-4DB2-BD59-A6C34878D82A}">
+                    <a16:rowId xmlns:a16="http://schemas.microsoft.com/office/drawing/2014/main" val="3435739650"/>
+                  </a:ext>
+                </a:extLst>
+              </a:tr>
+            </a:tbl>
+          </a:graphicData>
+        </a:graphic>
+      </p:graphicFrame>
+      <p:sp>
+        <p:nvSpPr>
+          <p:cNvPr id="4" name="Text Placeholder 3">
+            <a:extLst>
+              <a:ext uri="{FF2B5EF4-FFF2-40B4-BE49-F238E27FC236}">
+                <a16:creationId xmlns:a16="http://schemas.microsoft.com/office/drawing/2014/main" id="{C3A4657B-E2C3-AABE-A4CB-9A3BAE3E0D38}"/>
+              </a:ext>
+            </a:extLst>
+          </p:cNvPr>
+          <p:cNvSpPr>
+            <a:spLocks noGrp="1"/>
+          </p:cNvSpPr>
+          <p:nvPr>
+            <p:ph type="body" sz="half" idx="2"/>
+          </p:nvPr>
+        </p:nvSpPr>
+        <p:spPr/>
+        <p:txBody>
+          <a:bodyPr/>
+          <a:lstStyle/>
+          <a:p>
+            <a:r>
+              <a:rPr lang="en-US" dirty="0"/>
+              <a:t>Characteristics</a:t>
+            </a:r>
+          </a:p>
+        </p:txBody>
+      </p:sp>
+      <p:pic>
+        <p:nvPicPr>
+          <p:cNvPr id="6" name="Graphic 5" descr="Wolf with solid fill">
+            <a:extLst>
+              <a:ext uri="{FF2B5EF4-FFF2-40B4-BE49-F238E27FC236}">
+                <a16:creationId xmlns:a16="http://schemas.microsoft.com/office/drawing/2014/main" id="{6E190CCF-43CC-9931-2EF5-F8636A00A5A8}"/>
+              </a:ext>
+            </a:extLst>
+          </p:cNvPr>
+          <p:cNvPicPr>
+            <a:picLocks noChangeAspect="1"/>
+          </p:cNvPicPr>
+          <p:nvPr/>
+        </p:nvPicPr>
+        <p:blipFill>
+          <a:blip r:embed="rId2">
+            <a:extLst>
+              <a:ext uri="{96DAC541-7B7A-43D3-8B79-37D633B846F1}">
+                <asvg:svgBlip xmlns:asvg="http://schemas.microsoft.com/office/drawing/2016/SVG/main" r:embed="rId3"/>
+              </a:ext>
+            </a:extLst>
+          </a:blip>
+          <a:stretch>
+            <a:fillRect/>
+          </a:stretch>
+        </p:blipFill>
+        <p:spPr>
+          <a:xfrm>
+            <a:off x="3812623" y="1673708"/>
+            <a:ext cx="577206" cy="577206"/>
+          </a:xfrm>
+          <a:prstGeom prst="rect">
+            <a:avLst/>
+          </a:prstGeom>
+        </p:spPr>
+      </p:pic>
+      <p:sp>
+        <p:nvSpPr>
+          <p:cNvPr id="7" name="TextBox 6">
+            <a:extLst>
+              <a:ext uri="{FF2B5EF4-FFF2-40B4-BE49-F238E27FC236}">
+                <a16:creationId xmlns:a16="http://schemas.microsoft.com/office/drawing/2014/main" id="{69BF7738-82FE-B703-A54D-5FA96A351B02}"/>
+              </a:ext>
+            </a:extLst>
+          </p:cNvPr>
+          <p:cNvSpPr txBox="1"/>
+          <p:nvPr/>
+        </p:nvSpPr>
+        <p:spPr>
+          <a:xfrm>
+            <a:off x="806452" y="5224880"/>
+            <a:ext cx="3670955" cy="1600438"/>
+          </a:xfrm>
+          <a:prstGeom prst="rect">
+            <a:avLst/>
+          </a:prstGeom>
+          <a:gradFill flip="none" rotWithShape="1">
+            <a:gsLst>
+              <a:gs pos="0">
+                <a:schemeClr val="accent1">
+                  <a:tint val="66000"/>
+                  <a:satMod val="160000"/>
+                </a:schemeClr>
+              </a:gs>
+              <a:gs pos="50000">
+                <a:schemeClr val="accent1">
+                  <a:tint val="44500"/>
+                  <a:satMod val="160000"/>
+                </a:schemeClr>
+              </a:gs>
+              <a:gs pos="100000">
+                <a:schemeClr val="accent1">
+                  <a:tint val="23500"/>
+                  <a:satMod val="160000"/>
+                </a:schemeClr>
+              </a:gs>
+            </a:gsLst>
+            <a:lin ang="2700000" scaled="1"/>
+            <a:tileRect/>
+          </a:gradFill>
+        </p:spPr>
+        <p:txBody>
+          <a:bodyPr wrap="square" rtlCol="0">
+            <a:spAutoFit/>
+          </a:bodyPr>
+          <a:lstStyle/>
+          <a:p>
+            <a:r>
+              <a:rPr lang="en-US" sz="1400" dirty="0">
+                <a:latin typeface="+mj-lt"/>
+              </a:rPr>
+              <a:t>All features in dataset are measurements based on image processing of the original bean images. Each feature is a ratio measure, based on a length measurement or some function of various lengths. The </a:t>
+            </a:r>
+            <a:r>
+              <a:rPr lang="en-US" sz="1400" dirty="0" err="1">
+                <a:latin typeface="+mj-lt"/>
+              </a:rPr>
+              <a:t>ShapeFactors</a:t>
+            </a:r>
+            <a:r>
+              <a:rPr lang="en-US" sz="1400" dirty="0">
+                <a:latin typeface="+mj-lt"/>
+              </a:rPr>
+              <a:t> are also calculated from measured dimensions, although which are note specified. </a:t>
+            </a:r>
+          </a:p>
+        </p:txBody>
+      </p:sp>
+    </p:spTree>
+    <p:extLst>
+      <p:ext uri="{BB962C8B-B14F-4D97-AF65-F5344CB8AC3E}">
+        <p14:creationId xmlns:p14="http://schemas.microsoft.com/office/powerpoint/2010/main" val="340489238"/>
+      </p:ext>
+    </p:extLst>
+  </p:cSld>
+  <p:clrMapOvr>
+    <a:masterClrMapping/>
+  </p:clrMapOvr>
+</p:sld>
+</file>
+
+<file path=ppt/slides/slide7.xml><?xml version="1.0" encoding="utf-8"?>
 <p:sld xmlns:a="http://schemas.openxmlformats.org/drawingml/2006/main" xmlns:r="http://schemas.openxmlformats.org/officeDocument/2006/relationships" xmlns:p="http://schemas.openxmlformats.org/presentationml/2006/main">
   <p:cSld>
     <p:spTree>
@@ -17007,7 +18480,7 @@
           <a:p>
             <a:r>
               <a:rPr lang="en-US" dirty="0"/>
-              <a:t>Attribute Missingness: 0</a:t>
+              <a:t>Feature Missingness: 0</a:t>
             </a:r>
           </a:p>
         </p:txBody>
@@ -17052,10 +18525,213 @@
           </a:p>
         </p:txBody>
       </p:sp>
+      <p:pic>
+        <p:nvPicPr>
+          <p:cNvPr id="8" name="Graphic 7" descr="Wolf with solid fill">
+            <a:extLst>
+              <a:ext uri="{FF2B5EF4-FFF2-40B4-BE49-F238E27FC236}">
+                <a16:creationId xmlns:a16="http://schemas.microsoft.com/office/drawing/2014/main" id="{7CC3CC6A-F582-1873-B4AF-02CB3DA400E0}"/>
+              </a:ext>
+            </a:extLst>
+          </p:cNvPr>
+          <p:cNvPicPr>
+            <a:picLocks noChangeAspect="1"/>
+          </p:cNvPicPr>
+          <p:nvPr/>
+        </p:nvPicPr>
+        <p:blipFill>
+          <a:blip r:embed="rId3">
+            <a:extLst>
+              <a:ext uri="{96DAC541-7B7A-43D3-8B79-37D633B846F1}">
+                <asvg:svgBlip xmlns:asvg="http://schemas.microsoft.com/office/drawing/2016/SVG/main" r:embed="rId4"/>
+              </a:ext>
+            </a:extLst>
+          </a:blip>
+          <a:stretch>
+            <a:fillRect/>
+          </a:stretch>
+        </p:blipFill>
+        <p:spPr>
+          <a:xfrm>
+            <a:off x="11470697" y="0"/>
+            <a:ext cx="577206" cy="577206"/>
+          </a:xfrm>
+          <a:prstGeom prst="rect">
+            <a:avLst/>
+          </a:prstGeom>
+        </p:spPr>
+      </p:pic>
     </p:spTree>
     <p:extLst>
       <p:ext uri="{BB962C8B-B14F-4D97-AF65-F5344CB8AC3E}">
         <p14:creationId xmlns:p14="http://schemas.microsoft.com/office/powerpoint/2010/main" val="1518506959"/>
+      </p:ext>
+    </p:extLst>
+  </p:cSld>
+  <p:clrMapOvr>
+    <a:masterClrMapping/>
+  </p:clrMapOvr>
+</p:sld>
+</file>
+
+<file path=ppt/slides/slide8.xml><?xml version="1.0" encoding="utf-8"?>
+<p:sld xmlns:a="http://schemas.openxmlformats.org/drawingml/2006/main" xmlns:r="http://schemas.openxmlformats.org/officeDocument/2006/relationships" xmlns:p="http://schemas.openxmlformats.org/presentationml/2006/main">
+  <p:cSld>
+    <p:spTree>
+      <p:nvGrpSpPr>
+        <p:cNvPr id="1" name=""/>
+        <p:cNvGrpSpPr/>
+        <p:nvPr/>
+      </p:nvGrpSpPr>
+      <p:grpSpPr>
+        <a:xfrm>
+          <a:off x="0" y="0"/>
+          <a:ext cx="0" cy="0"/>
+          <a:chOff x="0" y="0"/>
+          <a:chExt cx="0" cy="0"/>
+        </a:xfrm>
+      </p:grpSpPr>
+      <p:sp>
+        <p:nvSpPr>
+          <p:cNvPr id="2" name="Title 1">
+            <a:extLst>
+              <a:ext uri="{FF2B5EF4-FFF2-40B4-BE49-F238E27FC236}">
+                <a16:creationId xmlns:a16="http://schemas.microsoft.com/office/drawing/2014/main" id="{73629C15-3A65-2089-EE1D-BD5F77F64803}"/>
+              </a:ext>
+            </a:extLst>
+          </p:cNvPr>
+          <p:cNvSpPr>
+            <a:spLocks noGrp="1"/>
+          </p:cNvSpPr>
+          <p:nvPr>
+            <p:ph type="title"/>
+          </p:nvPr>
+        </p:nvSpPr>
+        <p:spPr/>
+        <p:txBody>
+          <a:bodyPr>
+            <a:normAutofit/>
+          </a:bodyPr>
+          <a:lstStyle/>
+          <a:p>
+            <a:r>
+              <a:rPr lang="en-US" sz="3000" dirty="0">
+                <a:latin typeface="+mn-lt"/>
+              </a:rPr>
+              <a:t>Acknowledgments</a:t>
+            </a:r>
+          </a:p>
+        </p:txBody>
+      </p:sp>
+      <p:sp>
+        <p:nvSpPr>
+          <p:cNvPr id="3" name="Content Placeholder 2">
+            <a:extLst>
+              <a:ext uri="{FF2B5EF4-FFF2-40B4-BE49-F238E27FC236}">
+                <a16:creationId xmlns:a16="http://schemas.microsoft.com/office/drawing/2014/main" id="{DA866097-C786-189B-C904-63D6B7CB3601}"/>
+              </a:ext>
+            </a:extLst>
+          </p:cNvPr>
+          <p:cNvSpPr>
+            <a:spLocks noGrp="1"/>
+          </p:cNvSpPr>
+          <p:nvPr>
+            <p:ph idx="1"/>
+          </p:nvPr>
+        </p:nvSpPr>
+        <p:spPr/>
+        <p:txBody>
+          <a:bodyPr/>
+          <a:lstStyle/>
+          <a:p>
+            <a:r>
+              <a:rPr lang="en-US" sz="1800" dirty="0">
+                <a:latin typeface="+mj-lt"/>
+              </a:rPr>
+              <a:t>KOKLU, M. and OZKAN, I.A., (2020), “Multiclass Classification of Dry Beans Using Computer Vision and Machine Learning Techniques.” Computers and Electronics in Agriculture, 174, 105507. DOI: </a:t>
+            </a:r>
+            <a:r>
+              <a:rPr lang="en-US" sz="1800" dirty="0">
+                <a:latin typeface="+mj-lt"/>
+                <a:hlinkClick r:id="rId2"/>
+              </a:rPr>
+              <a:t>https://doi.org/10.1016/j.compag.2020.105507</a:t>
+            </a:r>
+            <a:r>
+              <a:rPr lang="en-US" sz="1800" dirty="0">
+                <a:latin typeface="+mj-lt"/>
+              </a:rPr>
+              <a:t> </a:t>
+            </a:r>
+          </a:p>
+          <a:p>
+            <a:r>
+              <a:rPr lang="en-US" dirty="0">
+                <a:latin typeface="+mj-lt"/>
+              </a:rPr>
+              <a:t> </a:t>
+            </a:r>
+          </a:p>
+          <a:p>
+            <a:r>
+              <a:rPr lang="en-US" sz="1800" dirty="0"/>
+              <a:t> </a:t>
+            </a:r>
+          </a:p>
+          <a:p>
+            <a:r>
+              <a:rPr lang="en-US" dirty="0"/>
+              <a:t> </a:t>
+            </a:r>
+          </a:p>
+          <a:p>
+            <a:endParaRPr lang="en-US" sz="1800" dirty="0"/>
+          </a:p>
+          <a:p>
+            <a:endParaRPr lang="en-US" dirty="0"/>
+          </a:p>
+        </p:txBody>
+      </p:sp>
+      <p:pic>
+        <p:nvPicPr>
+          <p:cNvPr id="4" name="Graphic 3" descr="Wolf with solid fill">
+            <a:extLst>
+              <a:ext uri="{FF2B5EF4-FFF2-40B4-BE49-F238E27FC236}">
+                <a16:creationId xmlns:a16="http://schemas.microsoft.com/office/drawing/2014/main" id="{5DC5B583-567A-81DA-0F7E-A8E73C8ACB82}"/>
+              </a:ext>
+            </a:extLst>
+          </p:cNvPr>
+          <p:cNvPicPr>
+            <a:picLocks noChangeAspect="1"/>
+          </p:cNvPicPr>
+          <p:nvPr/>
+        </p:nvPicPr>
+        <p:blipFill>
+          <a:blip r:embed="rId3">
+            <a:extLst>
+              <a:ext uri="{96DAC541-7B7A-43D3-8B79-37D633B846F1}">
+                <asvg:svgBlip xmlns:asvg="http://schemas.microsoft.com/office/drawing/2016/SVG/main" r:embed="rId4"/>
+              </a:ext>
+            </a:extLst>
+          </a:blip>
+          <a:stretch>
+            <a:fillRect/>
+          </a:stretch>
+        </p:blipFill>
+        <p:spPr>
+          <a:xfrm>
+            <a:off x="3812623" y="1673708"/>
+            <a:ext cx="577206" cy="577206"/>
+          </a:xfrm>
+          <a:prstGeom prst="rect">
+            <a:avLst/>
+          </a:prstGeom>
+        </p:spPr>
+      </p:pic>
+    </p:spTree>
+    <p:extLst>
+      <p:ext uri="{BB962C8B-B14F-4D97-AF65-F5344CB8AC3E}">
+        <p14:creationId xmlns:p14="http://schemas.microsoft.com/office/powerpoint/2010/main" val="301176671"/>
       </p:ext>
     </p:extLst>
   </p:cSld>

--- a/ds5230_phase1_farrell_massone.pptx
+++ b/ds5230_phase1_farrell_massone.pptx
@@ -18166,7 +18166,7 @@
               <a:rPr lang="en-US" sz="1400" dirty="0">
                 <a:latin typeface="+mj-lt"/>
               </a:rPr>
-              <a:t> are also calculated from measured dimensions, although which are note specified. </a:t>
+              <a:t> are also calculated from measured dimensions, although which dimensions are not specified. </a:t>
             </a:r>
           </a:p>
         </p:txBody>

--- a/ds5230_phase1_farrell_massone.pptx
+++ b/ds5230_phase1_farrell_massone.pptx
@@ -18644,6 +18644,16 @@
           <a:bodyPr/>
           <a:lstStyle/>
           <a:p>
+            <a:endParaRPr lang="en-US" sz="1800" dirty="0">
+              <a:latin typeface="+mj-lt"/>
+            </a:endParaRPr>
+          </a:p>
+          <a:p>
+            <a:endParaRPr lang="en-US" dirty="0">
+              <a:latin typeface="+mj-lt"/>
+            </a:endParaRPr>
+          </a:p>
+          <a:p>
             <a:r>
               <a:rPr lang="en-US" sz="1800" dirty="0">
                 <a:latin typeface="+mj-lt"/>
@@ -18669,19 +18679,15 @@
               <a:rPr lang="en-US" dirty="0">
                 <a:latin typeface="+mj-lt"/>
               </a:rPr>
-              <a:t> </a:t>
+              <a:t> Dr. Steve Morin – Class slides and labs.</a:t>
             </a:r>
           </a:p>
           <a:p>
             <a:r>
-              <a:rPr lang="en-US" sz="1800" dirty="0"/>
-              <a:t> </a:t>
-            </a:r>
-          </a:p>
-          <a:p>
-            <a:r>
-              <a:rPr lang="en-US" dirty="0"/>
-              <a:t> </a:t>
+              <a:rPr lang="en-US" dirty="0">
+                <a:latin typeface="+mj-lt"/>
+              </a:rPr>
+              <a:t>UC Irvine Machine Learning Repository</a:t>
             </a:r>
           </a:p>
           <a:p>
